--- a/docs/diagrams/UiComponentClassDiagram.pptx
+++ b/docs/diagrams/UiComponentClassDiagram.pptx
@@ -208,7 +208,7 @@
           <a:p>
             <a:fld id="{F5CC4B3F-88C1-4FFA-B1B6-F41C21DC6924}" type="datetimeFigureOut">
               <a:rPr lang="en-US" smtClean="0"/>
-              <a:t>1/7/2017</a:t>
+              <a:t>7/11/2017</a:t>
             </a:fld>
             <a:endParaRPr lang="en-US"/>
           </a:p>
@@ -654,7 +654,7 @@
           <a:p>
             <a:fld id="{78C97017-6FC3-485B-9764-EAC9E56C1D49}" type="datetimeFigureOut">
               <a:rPr lang="en-US" smtClean="0"/>
-              <a:t>1/7/2017</a:t>
+              <a:t>7/11/2017</a:t>
             </a:fld>
             <a:endParaRPr lang="en-US"/>
           </a:p>
@@ -822,7 +822,7 @@
           <a:p>
             <a:fld id="{78C97017-6FC3-485B-9764-EAC9E56C1D49}" type="datetimeFigureOut">
               <a:rPr lang="en-US" smtClean="0"/>
-              <a:t>1/7/2017</a:t>
+              <a:t>7/11/2017</a:t>
             </a:fld>
             <a:endParaRPr lang="en-US"/>
           </a:p>
@@ -1000,7 +1000,7 @@
           <a:p>
             <a:fld id="{78C97017-6FC3-485B-9764-EAC9E56C1D49}" type="datetimeFigureOut">
               <a:rPr lang="en-US" smtClean="0"/>
-              <a:t>1/7/2017</a:t>
+              <a:t>7/11/2017</a:t>
             </a:fld>
             <a:endParaRPr lang="en-US"/>
           </a:p>
@@ -1168,7 +1168,7 @@
           <a:p>
             <a:fld id="{78C97017-6FC3-485B-9764-EAC9E56C1D49}" type="datetimeFigureOut">
               <a:rPr lang="en-US" smtClean="0"/>
-              <a:t>1/7/2017</a:t>
+              <a:t>7/11/2017</a:t>
             </a:fld>
             <a:endParaRPr lang="en-US"/>
           </a:p>
@@ -1413,7 +1413,7 @@
           <a:p>
             <a:fld id="{78C97017-6FC3-485B-9764-EAC9E56C1D49}" type="datetimeFigureOut">
               <a:rPr lang="en-US" smtClean="0"/>
-              <a:t>1/7/2017</a:t>
+              <a:t>7/11/2017</a:t>
             </a:fld>
             <a:endParaRPr lang="en-US"/>
           </a:p>
@@ -1698,7 +1698,7 @@
           <a:p>
             <a:fld id="{78C97017-6FC3-485B-9764-EAC9E56C1D49}" type="datetimeFigureOut">
               <a:rPr lang="en-US" smtClean="0"/>
-              <a:t>1/7/2017</a:t>
+              <a:t>7/11/2017</a:t>
             </a:fld>
             <a:endParaRPr lang="en-US"/>
           </a:p>
@@ -2117,7 +2117,7 @@
           <a:p>
             <a:fld id="{78C97017-6FC3-485B-9764-EAC9E56C1D49}" type="datetimeFigureOut">
               <a:rPr lang="en-US" smtClean="0"/>
-              <a:t>1/7/2017</a:t>
+              <a:t>7/11/2017</a:t>
             </a:fld>
             <a:endParaRPr lang="en-US"/>
           </a:p>
@@ -2234,7 +2234,7 @@
           <a:p>
             <a:fld id="{78C97017-6FC3-485B-9764-EAC9E56C1D49}" type="datetimeFigureOut">
               <a:rPr lang="en-US" smtClean="0"/>
-              <a:t>1/7/2017</a:t>
+              <a:t>7/11/2017</a:t>
             </a:fld>
             <a:endParaRPr lang="en-US"/>
           </a:p>
@@ -2329,7 +2329,7 @@
           <a:p>
             <a:fld id="{78C97017-6FC3-485B-9764-EAC9E56C1D49}" type="datetimeFigureOut">
               <a:rPr lang="en-US" smtClean="0"/>
-              <a:t>1/7/2017</a:t>
+              <a:t>7/11/2017</a:t>
             </a:fld>
             <a:endParaRPr lang="en-US"/>
           </a:p>
@@ -2604,7 +2604,7 @@
           <a:p>
             <a:fld id="{78C97017-6FC3-485B-9764-EAC9E56C1D49}" type="datetimeFigureOut">
               <a:rPr lang="en-US" smtClean="0"/>
-              <a:t>1/7/2017</a:t>
+              <a:t>7/11/2017</a:t>
             </a:fld>
             <a:endParaRPr lang="en-US"/>
           </a:p>
@@ -2856,7 +2856,7 @@
           <a:p>
             <a:fld id="{78C97017-6FC3-485B-9764-EAC9E56C1D49}" type="datetimeFigureOut">
               <a:rPr lang="en-US" smtClean="0"/>
-              <a:t>1/7/2017</a:t>
+              <a:t>7/11/2017</a:t>
             </a:fld>
             <a:endParaRPr lang="en-US"/>
           </a:p>
@@ -3067,7 +3067,7 @@
           <a:p>
             <a:fld id="{78C97017-6FC3-485B-9764-EAC9E56C1D49}" type="datetimeFigureOut">
               <a:rPr lang="en-US" smtClean="0"/>
-              <a:t>1/7/2017</a:t>
+              <a:t>7/11/2017</a:t>
             </a:fld>
             <a:endParaRPr lang="en-US"/>
           </a:p>
@@ -4098,14 +4098,14 @@
           <a:p>
             <a:pPr algn="ctr"/>
             <a:r>
-              <a:rPr lang="en-US" sz="1050" b="1" dirty="0" err="1">
+              <a:rPr lang="en-US" sz="1050" b="1">
                 <a:solidFill>
                   <a:schemeClr val="accent3">
                     <a:lumMod val="75000"/>
                   </a:schemeClr>
                 </a:solidFill>
               </a:rPr>
-              <a:t>PersonCard</a:t>
+              <a:t>TaskCard</a:t>
             </a:r>
             <a:endParaRPr lang="en-SG" sz="1050" b="1" dirty="0">
               <a:solidFill>

--- a/docs/diagrams/UiComponentClassDiagram.pptx
+++ b/docs/diagrams/UiComponentClassDiagram.pptx
@@ -208,7 +208,7 @@
           <a:p>
             <a:fld id="{F5CC4B3F-88C1-4FFA-B1B6-F41C21DC6924}" type="datetimeFigureOut">
               <a:rPr lang="en-US" smtClean="0"/>
-              <a:t>7/11/2017</a:t>
+              <a:t>7/24/2017</a:t>
             </a:fld>
             <a:endParaRPr lang="en-US"/>
           </a:p>
@@ -654,7 +654,7 @@
           <a:p>
             <a:fld id="{78C97017-6FC3-485B-9764-EAC9E56C1D49}" type="datetimeFigureOut">
               <a:rPr lang="en-US" smtClean="0"/>
-              <a:t>7/11/2017</a:t>
+              <a:t>7/24/2017</a:t>
             </a:fld>
             <a:endParaRPr lang="en-US"/>
           </a:p>
@@ -822,7 +822,7 @@
           <a:p>
             <a:fld id="{78C97017-6FC3-485B-9764-EAC9E56C1D49}" type="datetimeFigureOut">
               <a:rPr lang="en-US" smtClean="0"/>
-              <a:t>7/11/2017</a:t>
+              <a:t>7/24/2017</a:t>
             </a:fld>
             <a:endParaRPr lang="en-US"/>
           </a:p>
@@ -1000,7 +1000,7 @@
           <a:p>
             <a:fld id="{78C97017-6FC3-485B-9764-EAC9E56C1D49}" type="datetimeFigureOut">
               <a:rPr lang="en-US" smtClean="0"/>
-              <a:t>7/11/2017</a:t>
+              <a:t>7/24/2017</a:t>
             </a:fld>
             <a:endParaRPr lang="en-US"/>
           </a:p>
@@ -1168,7 +1168,7 @@
           <a:p>
             <a:fld id="{78C97017-6FC3-485B-9764-EAC9E56C1D49}" type="datetimeFigureOut">
               <a:rPr lang="en-US" smtClean="0"/>
-              <a:t>7/11/2017</a:t>
+              <a:t>7/24/2017</a:t>
             </a:fld>
             <a:endParaRPr lang="en-US"/>
           </a:p>
@@ -1413,7 +1413,7 @@
           <a:p>
             <a:fld id="{78C97017-6FC3-485B-9764-EAC9E56C1D49}" type="datetimeFigureOut">
               <a:rPr lang="en-US" smtClean="0"/>
-              <a:t>7/11/2017</a:t>
+              <a:t>7/24/2017</a:t>
             </a:fld>
             <a:endParaRPr lang="en-US"/>
           </a:p>
@@ -1698,7 +1698,7 @@
           <a:p>
             <a:fld id="{78C97017-6FC3-485B-9764-EAC9E56C1D49}" type="datetimeFigureOut">
               <a:rPr lang="en-US" smtClean="0"/>
-              <a:t>7/11/2017</a:t>
+              <a:t>7/24/2017</a:t>
             </a:fld>
             <a:endParaRPr lang="en-US"/>
           </a:p>
@@ -2117,7 +2117,7 @@
           <a:p>
             <a:fld id="{78C97017-6FC3-485B-9764-EAC9E56C1D49}" type="datetimeFigureOut">
               <a:rPr lang="en-US" smtClean="0"/>
-              <a:t>7/11/2017</a:t>
+              <a:t>7/24/2017</a:t>
             </a:fld>
             <a:endParaRPr lang="en-US"/>
           </a:p>
@@ -2234,7 +2234,7 @@
           <a:p>
             <a:fld id="{78C97017-6FC3-485B-9764-EAC9E56C1D49}" type="datetimeFigureOut">
               <a:rPr lang="en-US" smtClean="0"/>
-              <a:t>7/11/2017</a:t>
+              <a:t>7/24/2017</a:t>
             </a:fld>
             <a:endParaRPr lang="en-US"/>
           </a:p>
@@ -2329,7 +2329,7 @@
           <a:p>
             <a:fld id="{78C97017-6FC3-485B-9764-EAC9E56C1D49}" type="datetimeFigureOut">
               <a:rPr lang="en-US" smtClean="0"/>
-              <a:t>7/11/2017</a:t>
+              <a:t>7/24/2017</a:t>
             </a:fld>
             <a:endParaRPr lang="en-US"/>
           </a:p>
@@ -2604,7 +2604,7 @@
           <a:p>
             <a:fld id="{78C97017-6FC3-485B-9764-EAC9E56C1D49}" type="datetimeFigureOut">
               <a:rPr lang="en-US" smtClean="0"/>
-              <a:t>7/11/2017</a:t>
+              <a:t>7/24/2017</a:t>
             </a:fld>
             <a:endParaRPr lang="en-US"/>
           </a:p>
@@ -2856,7 +2856,7 @@
           <a:p>
             <a:fld id="{78C97017-6FC3-485B-9764-EAC9E56C1D49}" type="datetimeFigureOut">
               <a:rPr lang="en-US" smtClean="0"/>
-              <a:t>7/11/2017</a:t>
+              <a:t>7/24/2017</a:t>
             </a:fld>
             <a:endParaRPr lang="en-US"/>
           </a:p>
@@ -3067,7 +3067,7 @@
           <a:p>
             <a:fld id="{78C97017-6FC3-485B-9764-EAC9E56C1D49}" type="datetimeFigureOut">
               <a:rPr lang="en-US" smtClean="0"/>
-              <a:t>7/11/2017</a:t>
+              <a:t>7/24/2017</a:t>
             </a:fld>
             <a:endParaRPr lang="en-US"/>
           </a:p>
@@ -3573,7 +3573,7 @@
         <p:spPr>
           <a:xfrm>
             <a:off x="2592528" y="2971800"/>
-            <a:ext cx="1093635" cy="236841"/>
+            <a:ext cx="1192337" cy="236841"/>
           </a:xfrm>
           <a:prstGeom prst="rect">
             <a:avLst/>
@@ -3886,7 +3886,7 @@
         <p:spPr>
           <a:xfrm>
             <a:off x="2592528" y="3649359"/>
-            <a:ext cx="1093635" cy="236841"/>
+            <a:ext cx="1192712" cy="236841"/>
           </a:xfrm>
           <a:prstGeom prst="rect">
             <a:avLst/>
@@ -3925,7 +3925,7 @@
                   </a:schemeClr>
                 </a:solidFill>
               </a:rPr>
-              <a:t>BrowserPanel</a:t>
+              <a:t>CategoryListPanel</a:t>
             </a:r>
             <a:endParaRPr lang="en-SG" sz="1050" b="1" dirty="0">
               <a:solidFill>
@@ -3946,7 +3946,7 @@
         <p:spPr>
           <a:xfrm>
             <a:off x="2592527" y="4563759"/>
-            <a:ext cx="1093635" cy="236841"/>
+            <a:ext cx="1192338" cy="236841"/>
           </a:xfrm>
           <a:prstGeom prst="rect">
             <a:avLst/>
@@ -4005,8 +4005,8 @@
         </p:nvSpPr>
         <p:spPr>
           <a:xfrm>
-            <a:off x="2592526" y="3991960"/>
-            <a:ext cx="1093635" cy="236841"/>
+            <a:off x="2592526" y="4099300"/>
+            <a:ext cx="1192339" cy="236841"/>
           </a:xfrm>
           <a:prstGeom prst="rect">
             <a:avLst/>
@@ -4065,7 +4065,7 @@
         </p:nvSpPr>
         <p:spPr>
           <a:xfrm>
-            <a:off x="3839323" y="4228801"/>
+            <a:off x="3961695" y="4357332"/>
             <a:ext cx="1040906" cy="236841"/>
           </a:xfrm>
           <a:prstGeom prst="rect">
@@ -4126,7 +4126,7 @@
         <p:spPr>
           <a:xfrm>
             <a:off x="2592528" y="4966000"/>
-            <a:ext cx="1093635" cy="236841"/>
+            <a:ext cx="1192337" cy="236841"/>
           </a:xfrm>
           <a:prstGeom prst="rect">
             <a:avLst/>
@@ -4229,6 +4229,7 @@
         <p:nvCxnSpPr>
           <p:cNvPr id="40" name="Elbow Connector 63"/>
           <p:cNvCxnSpPr>
+            <a:cxnSpLocks/>
             <a:stCxn id="39" idx="2"/>
             <a:endCxn id="3" idx="1"/>
           </p:cNvCxnSpPr>
@@ -4275,7 +4276,7 @@
         <p:spPr>
           <a:xfrm>
             <a:off x="2590799" y="3304308"/>
-            <a:ext cx="1095361" cy="236841"/>
+            <a:ext cx="1194440" cy="236841"/>
           </a:xfrm>
           <a:prstGeom prst="rect">
             <a:avLst/>
@@ -4330,6 +4331,7 @@
         <p:nvCxnSpPr>
           <p:cNvPr id="44" name="Elbow Connector 63"/>
           <p:cNvCxnSpPr>
+            <a:cxnSpLocks/>
             <a:stCxn id="39" idx="2"/>
             <a:endCxn id="34" idx="1"/>
           </p:cNvCxnSpPr>
@@ -4371,6 +4373,7 @@
         <p:nvCxnSpPr>
           <p:cNvPr id="47" name="Elbow Connector 63"/>
           <p:cNvCxnSpPr>
+            <a:cxnSpLocks/>
             <a:stCxn id="39" idx="2"/>
             <a:endCxn id="36" idx="1"/>
           </p:cNvCxnSpPr>
@@ -4378,8 +4381,8 @@
         </p:nvCxnSpPr>
         <p:spPr>
           <a:xfrm rot="16200000" flipH="1">
-            <a:off x="1883148" y="3401003"/>
-            <a:ext cx="1242356" cy="176400"/>
+            <a:off x="1829478" y="3454673"/>
+            <a:ext cx="1349696" cy="176400"/>
           </a:xfrm>
           <a:prstGeom prst="bentConnector2">
             <a:avLst/>
@@ -4412,6 +4415,7 @@
         <p:nvCxnSpPr>
           <p:cNvPr id="50" name="Elbow Connector 63"/>
           <p:cNvCxnSpPr>
+            <a:cxnSpLocks/>
             <a:stCxn id="39" idx="2"/>
             <a:endCxn id="35" idx="1"/>
           </p:cNvCxnSpPr>
@@ -4453,6 +4457,7 @@
         <p:nvCxnSpPr>
           <p:cNvPr id="53" name="Elbow Connector 63"/>
           <p:cNvCxnSpPr>
+            <a:cxnSpLocks/>
             <a:endCxn id="38" idx="1"/>
           </p:cNvCxnSpPr>
           <p:nvPr/>
@@ -4460,7 +4465,7 @@
         <p:spPr>
           <a:xfrm rot="16200000" flipH="1">
             <a:off x="1184119" y="3676012"/>
-            <a:ext cx="2396440" cy="420377"/>
+            <a:ext cx="2396440" cy="420378"/>
           </a:xfrm>
           <a:prstGeom prst="bentConnector2">
             <a:avLst/>
@@ -4572,6 +4577,7 @@
         <p:nvCxnSpPr>
           <p:cNvPr id="74" name="Elbow Connector 63"/>
           <p:cNvCxnSpPr>
+            <a:cxnSpLocks/>
             <a:stCxn id="43" idx="3"/>
             <a:endCxn id="16" idx="3"/>
           </p:cNvCxnSpPr>
@@ -4579,8 +4585,8 @@
         </p:nvCxnSpPr>
         <p:spPr>
           <a:xfrm flipV="1">
-            <a:off x="3686160" y="2286000"/>
-            <a:ext cx="1843809" cy="1136729"/>
+            <a:off x="3785239" y="2286000"/>
+            <a:ext cx="1744730" cy="1136729"/>
           </a:xfrm>
           <a:prstGeom prst="bentConnector2">
             <a:avLst/>
@@ -4620,8 +4626,8 @@
         </p:nvCxnSpPr>
         <p:spPr>
           <a:xfrm rot="5400000">
-            <a:off x="4174488" y="2991741"/>
-            <a:ext cx="2061222" cy="649740"/>
+            <a:off x="4171409" y="3117192"/>
+            <a:ext cx="2189753" cy="527368"/>
           </a:xfrm>
           <a:prstGeom prst="bentConnector2">
             <a:avLst/>
@@ -4654,6 +4660,7 @@
         <p:nvCxnSpPr>
           <p:cNvPr id="82" name="Elbow Connector 63"/>
           <p:cNvCxnSpPr>
+            <a:cxnSpLocks/>
             <a:stCxn id="16" idx="3"/>
             <a:endCxn id="34" idx="3"/>
           </p:cNvCxnSpPr>
@@ -4661,8 +4668,8 @@
         </p:nvCxnSpPr>
         <p:spPr>
           <a:xfrm rot="5400000">
-            <a:off x="3867176" y="2104987"/>
-            <a:ext cx="1481780" cy="1843806"/>
+            <a:off x="3916715" y="2154526"/>
+            <a:ext cx="1481780" cy="1744729"/>
           </a:xfrm>
           <a:prstGeom prst="bentConnector2">
             <a:avLst/>
@@ -4736,6 +4743,7 @@
         <p:nvCxnSpPr>
           <p:cNvPr id="91" name="Elbow Connector 63"/>
           <p:cNvCxnSpPr>
+            <a:cxnSpLocks/>
             <a:stCxn id="16" idx="3"/>
             <a:endCxn id="35" idx="3"/>
           </p:cNvCxnSpPr>
@@ -4743,8 +4751,8 @@
         </p:nvCxnSpPr>
         <p:spPr>
           <a:xfrm rot="5400000">
-            <a:off x="3409976" y="2562187"/>
-            <a:ext cx="2396180" cy="1843807"/>
+            <a:off x="3459327" y="2611538"/>
+            <a:ext cx="2396180" cy="1745104"/>
           </a:xfrm>
           <a:prstGeom prst="bentConnector2">
             <a:avLst/>
@@ -4777,6 +4785,7 @@
         <p:nvCxnSpPr>
           <p:cNvPr id="94" name="Elbow Connector 63"/>
           <p:cNvCxnSpPr>
+            <a:cxnSpLocks/>
             <a:stCxn id="16" idx="3"/>
             <a:endCxn id="38" idx="3"/>
           </p:cNvCxnSpPr>
@@ -4784,8 +4793,8 @@
         </p:nvCxnSpPr>
         <p:spPr>
           <a:xfrm rot="5400000">
-            <a:off x="3208856" y="2763307"/>
-            <a:ext cx="2798421" cy="1843806"/>
+            <a:off x="3258207" y="2812658"/>
+            <a:ext cx="2798421" cy="1745104"/>
           </a:xfrm>
           <a:prstGeom prst="bentConnector2">
             <a:avLst/>
@@ -5079,6 +5088,7 @@
         <p:nvCxnSpPr>
           <p:cNvPr id="131" name="Elbow Connector 130"/>
           <p:cNvCxnSpPr>
+            <a:cxnSpLocks/>
             <a:stCxn id="39" idx="2"/>
             <a:endCxn id="43" idx="1"/>
           </p:cNvCxnSpPr>
@@ -5120,6 +5130,7 @@
         <p:nvCxnSpPr>
           <p:cNvPr id="132" name="Elbow Connector 63"/>
           <p:cNvCxnSpPr>
+            <a:cxnSpLocks/>
             <a:stCxn id="16" idx="3"/>
             <a:endCxn id="3" idx="3"/>
           </p:cNvCxnSpPr>
@@ -5127,8 +5138,8 @@
         </p:nvCxnSpPr>
         <p:spPr>
           <a:xfrm rot="5400000">
-            <a:off x="4205956" y="1766207"/>
-            <a:ext cx="804221" cy="1843806"/>
+            <a:off x="4255307" y="1815558"/>
+            <a:ext cx="804221" cy="1745104"/>
           </a:xfrm>
           <a:prstGeom prst="bentConnector2">
             <a:avLst/>
@@ -5161,6 +5172,7 @@
         <p:nvCxnSpPr>
           <p:cNvPr id="137" name="Elbow Connector 136"/>
           <p:cNvCxnSpPr>
+            <a:cxnSpLocks/>
             <a:stCxn id="36" idx="2"/>
             <a:endCxn id="37" idx="1"/>
           </p:cNvCxnSpPr>
@@ -5168,8 +5180,8 @@
         </p:nvCxnSpPr>
         <p:spPr>
           <a:xfrm rot="16200000" flipH="1">
-            <a:off x="3430123" y="3938021"/>
-            <a:ext cx="118421" cy="699979"/>
+            <a:off x="3505389" y="4019447"/>
+            <a:ext cx="139612" cy="772999"/>
           </a:xfrm>
           <a:prstGeom prst="bentConnector2">
             <a:avLst/>
@@ -5202,6 +5214,7 @@
         <p:nvCxnSpPr>
           <p:cNvPr id="140" name="Elbow Connector 63"/>
           <p:cNvCxnSpPr>
+            <a:cxnSpLocks/>
             <a:stCxn id="16" idx="3"/>
             <a:endCxn id="36" idx="3"/>
           </p:cNvCxnSpPr>
@@ -5209,8 +5222,8 @@
         </p:nvCxnSpPr>
         <p:spPr>
           <a:xfrm rot="5400000">
-            <a:off x="3695875" y="2276286"/>
-            <a:ext cx="1824381" cy="1843808"/>
+            <a:off x="3691557" y="2379308"/>
+            <a:ext cx="1931721" cy="1745104"/>
           </a:xfrm>
           <a:prstGeom prst="bentConnector2">
             <a:avLst/>
@@ -5300,7 +5313,7 @@
         </p:nvSpPr>
         <p:spPr>
           <a:xfrm>
-            <a:off x="3687515" y="2828802"/>
+            <a:off x="3687515" y="2768600"/>
             <a:ext cx="3048000" cy="203200"/>
           </a:xfrm>
           <a:custGeom>
@@ -5435,8 +5448,210 @@
         </p:nvSpPr>
         <p:spPr>
           <a:xfrm flipV="1">
-            <a:off x="4114799" y="4472708"/>
-            <a:ext cx="2642195" cy="101600"/>
+            <a:off x="4482148" y="4604249"/>
+            <a:ext cx="2261194" cy="120151"/>
+          </a:xfrm>
+          <a:custGeom>
+            <a:avLst/>
+            <a:gdLst>
+              <a:gd name="connsiteX0" fmla="*/ 0 w 3048000"/>
+              <a:gd name="connsiteY0" fmla="*/ 203200 h 203200"/>
+              <a:gd name="connsiteX1" fmla="*/ 221673 w 3048000"/>
+              <a:gd name="connsiteY1" fmla="*/ 0 h 203200"/>
+              <a:gd name="connsiteX2" fmla="*/ 3048000 w 3048000"/>
+              <a:gd name="connsiteY2" fmla="*/ 0 h 203200"/>
+            </a:gdLst>
+            <a:ahLst/>
+            <a:cxnLst>
+              <a:cxn ang="0">
+                <a:pos x="connsiteX0" y="connsiteY0"/>
+              </a:cxn>
+              <a:cxn ang="0">
+                <a:pos x="connsiteX1" y="connsiteY1"/>
+              </a:cxn>
+              <a:cxn ang="0">
+                <a:pos x="connsiteX2" y="connsiteY2"/>
+              </a:cxn>
+            </a:cxnLst>
+            <a:rect l="l" t="t" r="r" b="b"/>
+            <a:pathLst>
+              <a:path w="3048000" h="203200">
+                <a:moveTo>
+                  <a:pt x="0" y="203200"/>
+                </a:moveTo>
+                <a:lnTo>
+                  <a:pt x="221673" y="0"/>
+                </a:lnTo>
+                <a:lnTo>
+                  <a:pt x="3048000" y="0"/>
+                </a:lnTo>
+              </a:path>
+            </a:pathLst>
+          </a:custGeom>
+          <a:noFill/>
+          <a:ln w="19050">
+            <a:solidFill>
+              <a:schemeClr val="accent3"/>
+            </a:solidFill>
+            <a:prstDash val="sysDot"/>
+            <a:headEnd type="none" w="med" len="med"/>
+            <a:tailEnd type="arrow" w="med" len="med"/>
+          </a:ln>
+          <a:effectLst/>
+        </p:spPr>
+        <p:style>
+          <a:lnRef idx="1">
+            <a:schemeClr val="accent2"/>
+          </a:lnRef>
+          <a:fillRef idx="2">
+            <a:schemeClr val="accent2"/>
+          </a:fillRef>
+          <a:effectRef idx="1">
+            <a:schemeClr val="accent2"/>
+          </a:effectRef>
+          <a:fontRef idx="minor">
+            <a:schemeClr val="dk1"/>
+          </a:fontRef>
+        </p:style>
+        <p:txBody>
+          <a:bodyPr rtlCol="0" anchor="ctr"/>
+          <a:lstStyle/>
+          <a:p>
+            <a:pPr algn="ctr"/>
+            <a:endParaRPr lang="en-SG"/>
+          </a:p>
+        </p:txBody>
+      </p:sp>
+      <p:sp>
+        <p:nvSpPr>
+          <p:cNvPr id="64" name="Rectangle 11">
+            <a:extLst>
+              <a:ext uri="{FF2B5EF4-FFF2-40B4-BE49-F238E27FC236}">
+                <a16:creationId xmlns:a16="http://schemas.microsoft.com/office/drawing/2014/main" id="{D51F29EC-C575-41D6-9946-4E1745602BBB}"/>
+              </a:ext>
+            </a:extLst>
+          </p:cNvPr>
+          <p:cNvSpPr/>
+          <p:nvPr/>
+        </p:nvSpPr>
+        <p:spPr>
+          <a:xfrm>
+            <a:off x="3961695" y="3910517"/>
+            <a:ext cx="1040906" cy="236841"/>
+          </a:xfrm>
+          <a:prstGeom prst="rect">
+            <a:avLst/>
+          </a:prstGeom>
+          <a:ln w="19050">
+            <a:solidFill>
+              <a:schemeClr val="accent3"/>
+            </a:solidFill>
+          </a:ln>
+          <a:effectLst/>
+        </p:spPr>
+        <p:style>
+          <a:lnRef idx="1">
+            <a:schemeClr val="accent3"/>
+          </a:lnRef>
+          <a:fillRef idx="2">
+            <a:schemeClr val="accent3"/>
+          </a:fillRef>
+          <a:effectRef idx="1">
+            <a:schemeClr val="accent3"/>
+          </a:effectRef>
+          <a:fontRef idx="minor">
+            <a:schemeClr val="dk1"/>
+          </a:fontRef>
+        </p:style>
+        <p:txBody>
+          <a:bodyPr rtlCol="0" anchor="ctr"/>
+          <a:lstStyle/>
+          <a:p>
+            <a:pPr algn="ctr"/>
+            <a:r>
+              <a:rPr lang="en-US" sz="1050" b="1" dirty="0" err="1">
+                <a:solidFill>
+                  <a:schemeClr val="accent3">
+                    <a:lumMod val="75000"/>
+                  </a:schemeClr>
+                </a:solidFill>
+              </a:rPr>
+              <a:t>CategoryCard</a:t>
+            </a:r>
+            <a:endParaRPr lang="en-SG" sz="1050" b="1" dirty="0">
+              <a:solidFill>
+                <a:schemeClr val="accent3">
+                  <a:lumMod val="75000"/>
+                </a:schemeClr>
+              </a:solidFill>
+            </a:endParaRPr>
+          </a:p>
+        </p:txBody>
+      </p:sp>
+      <p:cxnSp>
+        <p:nvCxnSpPr>
+          <p:cNvPr id="65" name="Elbow Connector 136">
+            <a:extLst>
+              <a:ext uri="{FF2B5EF4-FFF2-40B4-BE49-F238E27FC236}">
+                <a16:creationId xmlns:a16="http://schemas.microsoft.com/office/drawing/2014/main" id="{3F2E60B5-3EB4-438E-93D3-DEA5F165F6CE}"/>
+              </a:ext>
+            </a:extLst>
+          </p:cNvPr>
+          <p:cNvCxnSpPr>
+            <a:cxnSpLocks/>
+            <a:stCxn id="34" idx="2"/>
+            <a:endCxn id="64" idx="1"/>
+          </p:cNvCxnSpPr>
+          <p:nvPr/>
+        </p:nvCxnSpPr>
+        <p:spPr>
+          <a:xfrm rot="16200000" flipH="1">
+            <a:off x="3503920" y="3571163"/>
+            <a:ext cx="142738" cy="772811"/>
+          </a:xfrm>
+          <a:prstGeom prst="bentConnector2">
+            <a:avLst/>
+          </a:prstGeom>
+          <a:ln w="19050">
+            <a:solidFill>
+              <a:schemeClr val="accent3"/>
+            </a:solidFill>
+            <a:headEnd type="none" w="med" len="med"/>
+            <a:tailEnd type="arrow" w="med" len="med"/>
+          </a:ln>
+          <a:effectLst/>
+        </p:spPr>
+        <p:style>
+          <a:lnRef idx="1">
+            <a:schemeClr val="accent2"/>
+          </a:lnRef>
+          <a:fillRef idx="2">
+            <a:schemeClr val="accent2"/>
+          </a:fillRef>
+          <a:effectRef idx="1">
+            <a:schemeClr val="accent2"/>
+          </a:effectRef>
+          <a:fontRef idx="minor">
+            <a:schemeClr val="dk1"/>
+          </a:fontRef>
+        </p:style>
+      </p:cxnSp>
+      <p:sp>
+        <p:nvSpPr>
+          <p:cNvPr id="66" name="Freeform 117">
+            <a:extLst>
+              <a:ext uri="{FF2B5EF4-FFF2-40B4-BE49-F238E27FC236}">
+                <a16:creationId xmlns:a16="http://schemas.microsoft.com/office/drawing/2014/main" id="{4F715014-32AA-46D6-A65A-7BAE3FEF59EB}"/>
+              </a:ext>
+            </a:extLst>
+          </p:cNvPr>
+          <p:cNvSpPr/>
+          <p:nvPr/>
+        </p:nvSpPr>
+        <p:spPr>
+          <a:xfrm flipV="1">
+            <a:off x="4461720" y="4162045"/>
+            <a:ext cx="2261194" cy="120151"/>
           </a:xfrm>
           <a:custGeom>
             <a:avLst/>
